--- a/doc/IntroPresentation/Mindroid Intro.pptx
+++ b/doc/IntroPresentation/Mindroid Intro.pptx
@@ -269,7 +269,7 @@
             <a:fld id="{A32DC80D-291A-4ABB-A78B-0417274A267C}" type="datetime4">
               <a:rPr lang="de-DE"/>
               <a:pPr/>
-              <a:t>19. Dezember 2018</a:t>
+              <a:t>14. Mai 2019</a:t>
             </a:fld>
             <a:endParaRPr lang="de-DE"/>
           </a:p>
@@ -647,7 +647,7 @@
             <a:fld id="{065B079B-E513-489A-8A1B-D7C78493EA86}" type="datetime4">
               <a:rPr lang="de-DE"/>
               <a:pPr/>
-              <a:t>19. Dezember 2018</a:t>
+              <a:t>14. Mai 2019</a:t>
             </a:fld>
             <a:endParaRPr lang="de-DE"/>
           </a:p>
@@ -1257,13 +1257,83 @@
           </a:bodyPr>
           <a:lstStyle/>
           <a:p>
+            <a:pPr>
+              <a:buFont typeface="Arial" pitchFamily="34" charset="0"/>
+              <a:buChar char="•"/>
+            </a:pPr>
+            <a:r>
+              <a:rPr lang="de-DE" dirty="0" smtClean="0"/>
+              <a:t> Lego-Mindstorms EV3</a:t>
+            </a:r>
+          </a:p>
+          <a:p>
+            <a:pPr>
+              <a:buFont typeface="Arial" pitchFamily="34" charset="0"/>
+              <a:buChar char="•"/>
+            </a:pPr>
+            <a:r>
+              <a:rPr lang="de-DE" dirty="0" smtClean="0"/>
+              <a:t> 2 große Motoren</a:t>
+            </a:r>
+          </a:p>
+          <a:p>
+            <a:pPr>
+              <a:buFont typeface="Arial" pitchFamily="34" charset="0"/>
+              <a:buChar char="•"/>
+            </a:pPr>
+            <a:r>
+              <a:rPr lang="de-DE" dirty="0" smtClean="0"/>
+              <a:t> Ultraschallsensor (Abstand)</a:t>
+            </a:r>
+          </a:p>
+          <a:p>
+            <a:pPr>
+              <a:buFont typeface="Arial" pitchFamily="34" charset="0"/>
+              <a:buChar char="•"/>
+            </a:pPr>
+            <a:r>
+              <a:rPr lang="de-DE" dirty="0" smtClean="0"/>
+              <a:t> Gyrosensor (Drehung)</a:t>
+            </a:r>
+          </a:p>
+          <a:p>
+            <a:pPr>
+              <a:buFont typeface="Arial" pitchFamily="34" charset="0"/>
+              <a:buChar char="•"/>
+            </a:pPr>
+            <a:r>
+              <a:rPr lang="de-DE" dirty="0" smtClean="0"/>
+              <a:t> 2 Farbsensoren</a:t>
+            </a:r>
+          </a:p>
+          <a:p>
+            <a:pPr>
+              <a:buFont typeface="Arial" pitchFamily="34" charset="0"/>
+              <a:buChar char="•"/>
+            </a:pPr>
+            <a:r>
+              <a:rPr lang="de-DE" dirty="0" smtClean="0"/>
+              <a:t> 6 Tasten</a:t>
+            </a:r>
+          </a:p>
+          <a:p>
+            <a:endParaRPr lang="de-DE" dirty="0" smtClean="0"/>
+          </a:p>
+          <a:p>
+            <a:endParaRPr lang="de-DE" dirty="0" smtClean="0"/>
+          </a:p>
+          <a:p>
             <a:r>
               <a:rPr lang="de-DE" dirty="0" smtClean="0"/>
               <a:t>Roboter</a:t>
             </a:r>
             <a:r>
               <a:rPr lang="de-DE" baseline="0" dirty="0" smtClean="0"/>
-              <a:t> Erklären, Sensoren erklären</a:t>
+              <a:t> </a:t>
+            </a:r>
+            <a:r>
+              <a:rPr lang="de-DE" baseline="0" dirty="0" smtClean="0"/>
+              <a:t>Erklären, Sensoren erklären</a:t>
             </a:r>
           </a:p>
           <a:p>
@@ -1318,7 +1388,7 @@
             <a:fld id="{065B079B-E513-489A-8A1B-D7C78493EA86}" type="datetime4">
               <a:rPr lang="de-DE" smtClean="0"/>
               <a:pPr/>
-              <a:t>19. Dezember 2018</a:t>
+              <a:t>14. Mai 2019</a:t>
             </a:fld>
             <a:endParaRPr lang="de-DE"/>
           </a:p>
@@ -1495,7 +1565,7 @@
             <a:fld id="{065B079B-E513-489A-8A1B-D7C78493EA86}" type="datetime4">
               <a:rPr lang="de-DE" smtClean="0"/>
               <a:pPr/>
-              <a:t>19. Dezember 2018</a:t>
+              <a:t>14. Mai 2019</a:t>
             </a:fld>
             <a:endParaRPr lang="de-DE"/>
           </a:p>
@@ -1547,6 +1617,152 @@
               <a:rPr lang="de-DE" smtClean="0"/>
               <a:pPr/>
               <a:t>6</a:t>
+            </a:fld>
+            <a:endParaRPr lang="de-DE"/>
+          </a:p>
+        </p:txBody>
+      </p:sp>
+    </p:spTree>
+  </p:cSld>
+  <p:clrMapOvr>
+    <a:masterClrMapping/>
+  </p:clrMapOvr>
+</p:notes>
+</file>
+
+<file path=ppt/notesSlides/notesSlide3.xml><?xml version="1.0" encoding="utf-8"?>
+<p:notes xmlns:a="http://schemas.openxmlformats.org/drawingml/2006/main" xmlns:r="http://schemas.openxmlformats.org/officeDocument/2006/relationships" xmlns:p="http://schemas.openxmlformats.org/presentationml/2006/main">
+  <p:cSld>
+    <p:spTree>
+      <p:nvGrpSpPr>
+        <p:cNvPr id="1" name=""/>
+        <p:cNvGrpSpPr/>
+        <p:nvPr/>
+      </p:nvGrpSpPr>
+      <p:grpSpPr>
+        <a:xfrm>
+          <a:off x="0" y="0"/>
+          <a:ext cx="0" cy="0"/>
+          <a:chOff x="0" y="0"/>
+          <a:chExt cx="0" cy="0"/>
+        </a:xfrm>
+      </p:grpSpPr>
+      <p:sp>
+        <p:nvSpPr>
+          <p:cNvPr id="2" name="Folienbildplatzhalter 1"/>
+          <p:cNvSpPr>
+            <a:spLocks noGrp="1" noRot="1" noChangeAspect="1"/>
+          </p:cNvSpPr>
+          <p:nvPr>
+            <p:ph type="sldImg"/>
+          </p:nvPr>
+        </p:nvSpPr>
+        <p:spPr>
+          <a:xfrm>
+            <a:off x="1371600" y="923925"/>
+            <a:ext cx="4095750" cy="3071813"/>
+          </a:xfrm>
+        </p:spPr>
+      </p:sp>
+      <p:sp>
+        <p:nvSpPr>
+          <p:cNvPr id="3" name="Notizenplatzhalter 2"/>
+          <p:cNvSpPr>
+            <a:spLocks noGrp="1"/>
+          </p:cNvSpPr>
+          <p:nvPr>
+            <p:ph type="body" idx="1"/>
+          </p:nvPr>
+        </p:nvSpPr>
+        <p:spPr/>
+        <p:txBody>
+          <a:bodyPr>
+            <a:normAutofit/>
+          </a:bodyPr>
+          <a:lstStyle/>
+          <a:p>
+            <a:r>
+              <a:rPr lang="de-DE" smtClean="0"/>
+              <a:t>Als erstes -&gt; Computer</a:t>
+            </a:r>
+            <a:r>
+              <a:rPr lang="de-DE" baseline="0" smtClean="0"/>
+              <a:t> und Roboter verbinden</a:t>
+            </a:r>
+            <a:endParaRPr lang="de-DE"/>
+          </a:p>
+        </p:txBody>
+      </p:sp>
+      <p:sp>
+        <p:nvSpPr>
+          <p:cNvPr id="4" name="Datumsplatzhalter 3"/>
+          <p:cNvSpPr>
+            <a:spLocks noGrp="1"/>
+          </p:cNvSpPr>
+          <p:nvPr>
+            <p:ph type="dt" idx="10"/>
+          </p:nvPr>
+        </p:nvSpPr>
+        <p:spPr/>
+        <p:txBody>
+          <a:bodyPr/>
+          <a:lstStyle/>
+          <a:p>
+            <a:fld id="{065B079B-E513-489A-8A1B-D7C78493EA86}" type="datetime4">
+              <a:rPr lang="de-DE" smtClean="0"/>
+              <a:pPr/>
+              <a:t>14. Mai 2019</a:t>
+            </a:fld>
+            <a:endParaRPr lang="de-DE"/>
+          </a:p>
+        </p:txBody>
+      </p:sp>
+      <p:sp>
+        <p:nvSpPr>
+          <p:cNvPr id="5" name="Fußzeilenplatzhalter 4"/>
+          <p:cNvSpPr>
+            <a:spLocks noGrp="1"/>
+          </p:cNvSpPr>
+          <p:nvPr>
+            <p:ph type="ftr" sz="quarter" idx="11"/>
+          </p:nvPr>
+        </p:nvSpPr>
+        <p:spPr/>
+        <p:txBody>
+          <a:bodyPr/>
+          <a:lstStyle/>
+          <a:p>
+            <a:r>
+              <a:rPr lang="de-DE" smtClean="0"/>
+              <a:t>|  </a:t>
+            </a:r>
+            <a:endParaRPr lang="de-DE"/>
+          </a:p>
+        </p:txBody>
+      </p:sp>
+      <p:sp>
+        <p:nvSpPr>
+          <p:cNvPr id="6" name="Foliennummernplatzhalter 5"/>
+          <p:cNvSpPr>
+            <a:spLocks noGrp="1"/>
+          </p:cNvSpPr>
+          <p:nvPr>
+            <p:ph type="sldNum" sz="quarter" idx="12"/>
+          </p:nvPr>
+        </p:nvSpPr>
+        <p:spPr/>
+        <p:txBody>
+          <a:bodyPr/>
+          <a:lstStyle/>
+          <a:p>
+            <a:r>
+              <a:rPr lang="de-DE" smtClean="0"/>
+              <a:t>|  </a:t>
+            </a:r>
+            <a:fld id="{C36AA9A4-5D0B-4134-89A6-D8B9DAA4F25C}" type="slidenum">
+              <a:rPr lang="de-DE" smtClean="0"/>
+              <a:pPr/>
+              <a:t>7</a:t>
             </a:fld>
             <a:endParaRPr lang="de-DE"/>
           </a:p>
@@ -1929,7 +2145,7 @@
                 <a:tabLst/>
                 <a:defRPr/>
               </a:pPr>
-              <a:t>19.12.2018</a:t>
+              <a:t>14.05.2019</a:t>
             </a:fld>
             <a:r>
               <a:rPr kumimoji="0" lang="de-DE" sz="1000" b="0" i="0" u="none" strike="noStrike" kern="1200" cap="none" spc="0" normalizeH="0" baseline="0" noProof="0" dirty="0" smtClean="0">
@@ -1946,24 +2162,7 @@
                 <a:ea typeface="+mn-ea"/>
                 <a:cs typeface="Tahoma" pitchFamily="34" charset="0"/>
               </a:rPr>
-              <a:t>  </a:t>
-            </a:r>
-            <a:r>
-              <a:rPr kumimoji="0" lang="de-DE" sz="1000" b="0" i="0" u="none" strike="noStrike" kern="1200" cap="none" spc="0" normalizeH="0" baseline="0" noProof="0" dirty="0" smtClean="0">
-                <a:ln>
-                  <a:noFill/>
-                </a:ln>
-                <a:solidFill>
-                  <a:schemeClr val="tx1"/>
-                </a:solidFill>
-                <a:effectLst/>
-                <a:uLnTx/>
-                <a:uFillTx/>
-                <a:latin typeface="+mn-lt"/>
-                <a:ea typeface="+mn-ea"/>
-                <a:cs typeface="Tahoma" pitchFamily="34" charset="0"/>
-              </a:rPr>
-              <a:t>| </a:t>
+              <a:t>  | </a:t>
             </a:r>
             <a:r>
               <a:rPr kumimoji="0" lang="de-DE" sz="1000" b="0" i="0" u="none" strike="noStrike" kern="1200" cap="none" spc="0" normalizeH="0" baseline="0" noProof="0" dirty="0" smtClean="0">
@@ -2095,7 +2294,7 @@
           <a:blip r:embed="rId4" cstate="print">
             <a:extLst>
               <a:ext uri="{28A0092B-C50C-407E-A947-70E740481C1C}">
-                <a14:useLocalDpi xmlns:a14="http://schemas.microsoft.com/office/drawing/2010/main" xmlns="" val="0"/>
+                <a14:useLocalDpi xmlns="" xmlns:a14="http://schemas.microsoft.com/office/drawing/2010/main" val="0"/>
               </a:ext>
             </a:extLst>
           </a:blip>
@@ -2119,14 +2318,14 @@
           <a:effectLst/>
           <a:extLst>
             <a:ext uri="{909E8E84-426E-40DD-AFC4-6F175D3DCCD1}">
-              <a14:hiddenFill xmlns:a14="http://schemas.microsoft.com/office/drawing/2010/main" xmlns="">
+              <a14:hiddenFill xmlns="" xmlns:a14="http://schemas.microsoft.com/office/drawing/2010/main">
                 <a:solidFill>
                   <a:schemeClr val="accent1"/>
                 </a:solidFill>
               </a14:hiddenFill>
             </a:ext>
             <a:ext uri="{91240B29-F687-4F45-9708-019B960494DF}">
-              <a14:hiddenLine xmlns:a14="http://schemas.microsoft.com/office/drawing/2010/main" xmlns="" w="9525">
+              <a14:hiddenLine xmlns="" xmlns:a14="http://schemas.microsoft.com/office/drawing/2010/main" w="9525">
                 <a:solidFill>
                   <a:schemeClr val="tx1"/>
                 </a:solidFill>
@@ -2136,7 +2335,7 @@
               </a14:hiddenLine>
             </a:ext>
             <a:ext uri="{AF507438-7753-43E0-B8FC-AC1667EBCBE1}">
-              <a14:hiddenEffects xmlns:a14="http://schemas.microsoft.com/office/drawing/2010/main" xmlns="">
+              <a14:hiddenEffects xmlns="" xmlns:a14="http://schemas.microsoft.com/office/drawing/2010/main">
                 <a:effectLst>
                   <a:outerShdw dist="35921" dir="2700000" algn="ctr" rotWithShape="0">
                     <a:schemeClr val="bg2"/>
@@ -3493,7 +3692,7 @@
                 <a:tabLst/>
                 <a:defRPr/>
               </a:pPr>
-              <a:t>19.12.2018</a:t>
+              <a:t>14.05.2019</a:t>
             </a:fld>
             <a:r>
               <a:rPr kumimoji="0" lang="de-DE" sz="1000" b="0" i="0" u="none" strike="noStrike" kern="1200" cap="none" spc="0" normalizeH="0" baseline="0" noProof="0" dirty="0" smtClean="0">
@@ -3510,24 +3709,7 @@
                 <a:ea typeface="+mn-ea"/>
                 <a:cs typeface="Tahoma" pitchFamily="34" charset="0"/>
               </a:rPr>
-              <a:t>  | </a:t>
-            </a:r>
-            <a:r>
-              <a:rPr kumimoji="0" lang="de-DE" sz="1000" b="0" i="0" u="none" strike="noStrike" kern="1200" cap="none" spc="0" normalizeH="0" baseline="0" noProof="0" dirty="0" smtClean="0">
-                <a:ln>
-                  <a:noFill/>
-                </a:ln>
-                <a:solidFill>
-                  <a:schemeClr val="tx1"/>
-                </a:solidFill>
-                <a:effectLst/>
-                <a:uLnTx/>
-                <a:uFillTx/>
-                <a:latin typeface="+mn-lt"/>
-                <a:ea typeface="+mn-ea"/>
-                <a:cs typeface="Tahoma" pitchFamily="34" charset="0"/>
-              </a:rPr>
-              <a:t>TU Darmstadt | NeXT Generation on Campus 					                       </a:t>
+              <a:t>  | TU Darmstadt | NeXT Generation on Campus 					                       </a:t>
             </a:r>
             <a:fld id="{BD386F6E-5760-44EA-863D-6162B30654B1}" type="slidenum">
               <a:rPr kumimoji="0" lang="de-DE" sz="1000" b="0" i="0" u="none" strike="noStrike" kern="1200" cap="none" spc="0" normalizeH="0" baseline="0" noProof="0" smtClean="0">
@@ -3544,6 +3726,23 @@
                 <a:ea typeface="+mn-ea"/>
                 <a:cs typeface="Tahoma" pitchFamily="34" charset="0"/>
               </a:rPr>
+              <a:pPr marL="0" marR="0" lvl="0" indent="0" algn="l" defTabSz="914400" rtl="0" eaLnBrk="1" fontAlgn="base" latinLnBrk="0" hangingPunct="1">
+                <a:lnSpc>
+                  <a:spcPct val="100000"/>
+                </a:lnSpc>
+                <a:spcBef>
+                  <a:spcPct val="0"/>
+                </a:spcBef>
+                <a:spcAft>
+                  <a:spcPct val="0"/>
+                </a:spcAft>
+                <a:buClrTx/>
+                <a:buSzTx/>
+                <a:buFontTx/>
+                <a:buNone/>
+                <a:tabLst/>
+                <a:defRPr/>
+              </a:pPr>
               <a:t>‹Nr.›</a:t>
             </a:fld>
             <a:endParaRPr kumimoji="0" lang="de-DE" sz="1000" b="0" i="0" u="none" strike="noStrike" kern="1200" cap="none" spc="0" normalizeH="0" baseline="0" noProof="0" dirty="0" smtClean="0">
@@ -3640,7 +3839,7 @@
           <a:blip r:embed="rId12" cstate="print">
             <a:extLst>
               <a:ext uri="{28A0092B-C50C-407E-A947-70E740481C1C}">
-                <a14:useLocalDpi xmlns:a14="http://schemas.microsoft.com/office/drawing/2010/main" xmlns="" val="0"/>
+                <a14:useLocalDpi xmlns="" xmlns:a14="http://schemas.microsoft.com/office/drawing/2010/main" val="0"/>
               </a:ext>
             </a:extLst>
           </a:blip>
@@ -3664,14 +3863,14 @@
           <a:effectLst/>
           <a:extLst>
             <a:ext uri="{909E8E84-426E-40DD-AFC4-6F175D3DCCD1}">
-              <a14:hiddenFill xmlns:a14="http://schemas.microsoft.com/office/drawing/2010/main" xmlns="">
+              <a14:hiddenFill xmlns="" xmlns:a14="http://schemas.microsoft.com/office/drawing/2010/main">
                 <a:solidFill>
                   <a:schemeClr val="accent1"/>
                 </a:solidFill>
               </a14:hiddenFill>
             </a:ext>
             <a:ext uri="{91240B29-F687-4F45-9708-019B960494DF}">
-              <a14:hiddenLine xmlns:a14="http://schemas.microsoft.com/office/drawing/2010/main" xmlns="" w="9525">
+              <a14:hiddenLine xmlns="" xmlns:a14="http://schemas.microsoft.com/office/drawing/2010/main" w="9525">
                 <a:solidFill>
                   <a:schemeClr val="tx1"/>
                 </a:solidFill>
@@ -3681,7 +3880,7 @@
               </a14:hiddenLine>
             </a:ext>
             <a:ext uri="{AF507438-7753-43E0-B8FC-AC1667EBCBE1}">
-              <a14:hiddenEffects xmlns:a14="http://schemas.microsoft.com/office/drawing/2010/main" xmlns="">
+              <a14:hiddenEffects xmlns="" xmlns:a14="http://schemas.microsoft.com/office/drawing/2010/main">
                 <a:effectLst>
                   <a:outerShdw dist="35921" dir="2700000" algn="ctr" rotWithShape="0">
                     <a:schemeClr val="bg2"/>
@@ -4470,7 +4669,7 @@
           <a:blip r:embed="rId4" cstate="print">
             <a:extLst>
               <a:ext uri="{28A0092B-C50C-407E-A947-70E740481C1C}">
-                <a14:useLocalDpi xmlns:a14="http://schemas.microsoft.com/office/drawing/2010/main" xmlns="" val="0"/>
+                <a14:useLocalDpi xmlns="" xmlns:a14="http://schemas.microsoft.com/office/drawing/2010/main" val="0"/>
               </a:ext>
             </a:extLst>
           </a:blip>
@@ -4666,7 +4865,7 @@
               <a:alphaModFix amt="25000"/>
               <a:extLst>
                 <a:ext uri="{28A0092B-C50C-407E-A947-70E740481C1C}">
-                  <a14:useLocalDpi xmlns:a14="http://schemas.microsoft.com/office/drawing/2010/main" xmlns="" val="0"/>
+                  <a14:useLocalDpi xmlns="" xmlns:a14="http://schemas.microsoft.com/office/drawing/2010/main" val="0"/>
                 </a:ext>
               </a:extLst>
             </a:blip>
@@ -4689,14 +4888,14 @@
             </a:ln>
             <a:extLst>
               <a:ext uri="{909E8E84-426E-40DD-AFC4-6F175D3DCCD1}">
-                <a14:hiddenFill xmlns:a14="http://schemas.microsoft.com/office/drawing/2010/main" xmlns="">
+                <a14:hiddenFill xmlns="" xmlns:a14="http://schemas.microsoft.com/office/drawing/2010/main">
                   <a:solidFill>
                     <a:srgbClr val="FFFFFF"/>
                   </a:solidFill>
                 </a14:hiddenFill>
               </a:ext>
               <a:ext uri="{91240B29-F687-4F45-9708-019B960494DF}">
-                <a14:hiddenLine xmlns:a14="http://schemas.microsoft.com/office/drawing/2010/main" xmlns="" w="9525">
+                <a14:hiddenLine xmlns="" xmlns:a14="http://schemas.microsoft.com/office/drawing/2010/main" w="9525">
                   <a:solidFill>
                     <a:srgbClr val="000000"/>
                   </a:solidFill>
@@ -4949,7 +5148,7 @@
     </p:spTree>
     <p:extLst>
       <p:ext uri="{BB962C8B-B14F-4D97-AF65-F5344CB8AC3E}">
-        <p14:creationId xmlns:p14="http://schemas.microsoft.com/office/powerpoint/2010/main" xmlns="" val="4084488183"/>
+        <p14:creationId xmlns="" xmlns:p14="http://schemas.microsoft.com/office/powerpoint/2010/main" val="4084488183"/>
       </p:ext>
     </p:extLst>
   </p:cSld>
@@ -5033,7 +5232,7 @@
               <a:alphaModFix amt="25000"/>
               <a:extLst>
                 <a:ext uri="{28A0092B-C50C-407E-A947-70E740481C1C}">
-                  <a14:useLocalDpi xmlns:a14="http://schemas.microsoft.com/office/drawing/2010/main" xmlns="" val="0"/>
+                  <a14:useLocalDpi xmlns="" xmlns:a14="http://schemas.microsoft.com/office/drawing/2010/main" val="0"/>
                 </a:ext>
               </a:extLst>
             </a:blip>
@@ -5056,14 +5255,14 @@
             </a:ln>
             <a:extLst>
               <a:ext uri="{909E8E84-426E-40DD-AFC4-6F175D3DCCD1}">
-                <a14:hiddenFill xmlns:a14="http://schemas.microsoft.com/office/drawing/2010/main" xmlns="">
+                <a14:hiddenFill xmlns="" xmlns:a14="http://schemas.microsoft.com/office/drawing/2010/main">
                   <a:solidFill>
                     <a:srgbClr val="FFFFFF"/>
                   </a:solidFill>
                 </a14:hiddenFill>
               </a:ext>
               <a:ext uri="{91240B29-F687-4F45-9708-019B960494DF}">
-                <a14:hiddenLine xmlns:a14="http://schemas.microsoft.com/office/drawing/2010/main" xmlns="" w="9525">
+                <a14:hiddenLine xmlns="" xmlns:a14="http://schemas.microsoft.com/office/drawing/2010/main" w="9525">
                   <a:solidFill>
                     <a:srgbClr val="000000"/>
                   </a:solidFill>
@@ -5436,7 +5635,7 @@
     </p:spTree>
     <p:extLst>
       <p:ext uri="{BB962C8B-B14F-4D97-AF65-F5344CB8AC3E}">
-        <p14:creationId xmlns:p14="http://schemas.microsoft.com/office/powerpoint/2010/main" xmlns="" val="1410993158"/>
+        <p14:creationId xmlns="" xmlns:p14="http://schemas.microsoft.com/office/powerpoint/2010/main" val="1410993158"/>
       </p:ext>
     </p:extLst>
   </p:cSld>
@@ -5472,39 +5671,6 @@
       </p:grpSpPr>
       <p:sp>
         <p:nvSpPr>
-          <p:cNvPr id="2" name="Inhaltsplatzhalter 1"/>
-          <p:cNvSpPr>
-            <a:spLocks noGrp="1"/>
-          </p:cNvSpPr>
-          <p:nvPr>
-            <p:ph idx="1"/>
-          </p:nvPr>
-        </p:nvSpPr>
-        <p:spPr>
-          <a:xfrm>
-            <a:off x="3857620" y="1620001"/>
-            <a:ext cx="5000660" cy="2241048"/>
-          </a:xfrm>
-        </p:spPr>
-        <p:txBody>
-          <a:bodyPr/>
-          <a:lstStyle/>
-          <a:p>
-            <a:r>
-              <a:rPr lang="de-DE" dirty="0" smtClean="0"/>
-              <a:t>Tolles Bild von Mindroid, Markierung über einzelne Teile laufen lassen.</a:t>
-            </a:r>
-          </a:p>
-          <a:p>
-            <a:endParaRPr lang="de-DE" dirty="0" smtClean="0"/>
-          </a:p>
-          <a:p>
-            <a:endParaRPr lang="de-DE" dirty="0"/>
-          </a:p>
-        </p:txBody>
-      </p:sp>
-      <p:sp>
-        <p:nvSpPr>
           <p:cNvPr id="3" name="Textplatzhalter 2"/>
           <p:cNvSpPr>
             <a:spLocks noGrp="1"/>
@@ -5522,64 +5688,7 @@
               <a:buFont typeface="Arial" pitchFamily="34" charset="0"/>
               <a:buChar char="•"/>
             </a:pPr>
-            <a:r>
-              <a:rPr lang="de-DE" dirty="0" smtClean="0"/>
-              <a:t> Lego-Mindstorms EV3</a:t>
-            </a:r>
-          </a:p>
-          <a:p>
-            <a:pPr>
-              <a:buFont typeface="Arial" pitchFamily="34" charset="0"/>
-              <a:buChar char="•"/>
-            </a:pPr>
-            <a:r>
-              <a:rPr lang="de-DE" dirty="0" smtClean="0"/>
-              <a:t> </a:t>
-            </a:r>
-            <a:r>
-              <a:rPr lang="de-DE" dirty="0" smtClean="0"/>
-              <a:t>2 große Motoren</a:t>
-            </a:r>
-          </a:p>
-          <a:p>
-            <a:pPr>
-              <a:buFont typeface="Arial" pitchFamily="34" charset="0"/>
-              <a:buChar char="•"/>
-            </a:pPr>
-            <a:r>
-              <a:rPr lang="de-DE" dirty="0" smtClean="0"/>
-              <a:t> Ultraschallsensor (Abstand)</a:t>
-            </a:r>
-          </a:p>
-          <a:p>
-            <a:pPr>
-              <a:buFont typeface="Arial" pitchFamily="34" charset="0"/>
-              <a:buChar char="•"/>
-            </a:pPr>
-            <a:r>
-              <a:rPr lang="de-DE" dirty="0" smtClean="0"/>
-              <a:t> Gyrosensor (Drehung)</a:t>
-            </a:r>
-          </a:p>
-          <a:p>
-            <a:pPr>
-              <a:buFont typeface="Arial" pitchFamily="34" charset="0"/>
-              <a:buChar char="•"/>
-            </a:pPr>
-            <a:r>
-              <a:rPr lang="de-DE" dirty="0" smtClean="0"/>
-              <a:t> 2 Farbsensoren</a:t>
-            </a:r>
-          </a:p>
-          <a:p>
-            <a:pPr>
-              <a:buFont typeface="Arial" pitchFamily="34" charset="0"/>
-              <a:buChar char="•"/>
-            </a:pPr>
-            <a:r>
-              <a:rPr lang="de-DE" dirty="0" smtClean="0"/>
-              <a:t> 6 Tasten</a:t>
-            </a:r>
+            <a:endParaRPr lang="de-DE" dirty="0" smtClean="0"/>
           </a:p>
         </p:txBody>
       </p:sp>
@@ -5606,6 +5715,32 @@
           </a:p>
         </p:txBody>
       </p:sp>
+      <p:pic>
+        <p:nvPicPr>
+          <p:cNvPr id="1026" name="Picture 2" descr="C:\Users\Marcel\Documents\Mindroid\doc\IntroPresentation\DSC00708.JPG"/>
+          <p:cNvPicPr>
+            <a:picLocks noChangeAspect="1" noChangeArrowheads="1"/>
+          </p:cNvPicPr>
+          <p:nvPr/>
+        </p:nvPicPr>
+        <p:blipFill>
+          <a:blip r:embed="rId3" cstate="print"/>
+          <a:srcRect/>
+          <a:stretch>
+            <a:fillRect/>
+          </a:stretch>
+        </p:blipFill>
+        <p:spPr bwMode="auto">
+          <a:xfrm>
+            <a:off x="755576" y="1236540"/>
+            <a:ext cx="7704856" cy="5128773"/>
+          </a:xfrm>
+          <a:prstGeom prst="rect">
+            <a:avLst/>
+          </a:prstGeom>
+          <a:noFill/>
+        </p:spPr>
+      </p:pic>
     </p:spTree>
   </p:cSld>
   <p:clrMapOvr>
@@ -5669,11 +5804,7 @@
             </a:pPr>
             <a:r>
               <a:rPr lang="de-DE" dirty="0" smtClean="0"/>
-              <a:t> </a:t>
-            </a:r>
-            <a:r>
-              <a:rPr lang="de-DE" dirty="0" smtClean="0"/>
-              <a:t>2 große Motoren</a:t>
+              <a:t> 2 große Motoren</a:t>
             </a:r>
           </a:p>
           <a:p>
@@ -5723,11 +5854,7 @@
             </a:pPr>
             <a:r>
               <a:rPr lang="de-DE" dirty="0" smtClean="0"/>
-              <a:t> </a:t>
-            </a:r>
-            <a:r>
-              <a:rPr lang="de-DE" dirty="0" smtClean="0"/>
-              <a:t>LED-Beleuchtung</a:t>
+              <a:t> LED-Beleuchtung</a:t>
             </a:r>
           </a:p>
         </p:txBody>
@@ -5891,7 +6018,7 @@
           <p:nvPr/>
         </p:nvPicPr>
         <p:blipFill>
-          <a:blip r:embed="rId2" cstate="print"/>
+          <a:blip r:embed="rId3" cstate="print"/>
           <a:srcRect/>
           <a:stretch>
             <a:fillRect/>
@@ -5917,7 +6044,7 @@
           <p:nvPr/>
         </p:nvPicPr>
         <p:blipFill>
-          <a:blip r:embed="rId3" cstate="print"/>
+          <a:blip r:embed="rId4" cstate="print"/>
           <a:srcRect/>
           <a:stretch>
             <a:fillRect/>
@@ -5943,7 +6070,7 @@
           <p:nvPr/>
         </p:nvPicPr>
         <p:blipFill>
-          <a:blip r:embed="rId4" cstate="print"/>
+          <a:blip r:embed="rId5" cstate="print"/>
           <a:srcRect/>
           <a:stretch>
             <a:fillRect/>
@@ -6060,11 +6187,7 @@
             </a:pPr>
             <a:r>
               <a:rPr lang="de-DE" dirty="0" smtClean="0"/>
-              <a:t> </a:t>
-            </a:r>
-            <a:r>
-              <a:rPr lang="de-DE" dirty="0" smtClean="0"/>
-              <a:t>Java-Editor</a:t>
+              <a:t> Java-Editor</a:t>
             </a:r>
             <a:br>
               <a:rPr lang="de-DE" dirty="0" smtClean="0"/>
@@ -6092,11 +6215,7 @@
             </a:pPr>
             <a:r>
               <a:rPr lang="de-DE" dirty="0" smtClean="0"/>
-              <a:t> </a:t>
-            </a:r>
-            <a:r>
-              <a:rPr lang="de-DE" dirty="0" smtClean="0"/>
-              <a:t>Mindroid Server</a:t>
+              <a:t> Mindroid Server</a:t>
             </a:r>
             <a:endParaRPr lang="de-DE" dirty="0"/>
           </a:p>
